--- a/MySQL实战/16“order by”是怎么工作的？.pptx
+++ b/MySQL实战/16“order by”是怎么工作的？.pptx
@@ -203,7 +203,7 @@
           <a:p>
             <a:fld id="{A900F2CD-AD8F-46FC-AAAB-A0D218D6826F}" type="datetimeFigureOut">
               <a:rPr lang="zh-CN" altLang="en-US" smtClean="0"/>
-              <a:t>2019/5/21</a:t>
+              <a:t>2020/3/26</a:t>
             </a:fld>
             <a:endParaRPr lang="zh-CN" altLang="en-US"/>
           </a:p>
@@ -657,7 +657,7 @@
           <a:p>
             <a:fld id="{E396512D-F96B-4538-B91A-F7EB57A489A0}" type="datetimeFigureOut">
               <a:rPr lang="zh-CN" altLang="en-US" smtClean="0"/>
-              <a:t>2019/5/21</a:t>
+              <a:t>2020/3/26</a:t>
             </a:fld>
             <a:endParaRPr lang="zh-CN" altLang="en-US"/>
           </a:p>
@@ -932,7 +932,7 @@
           <a:p>
             <a:fld id="{E396512D-F96B-4538-B91A-F7EB57A489A0}" type="datetimeFigureOut">
               <a:rPr lang="zh-CN" altLang="en-US" smtClean="0"/>
-              <a:t>2019/5/21</a:t>
+              <a:t>2020/3/26</a:t>
             </a:fld>
             <a:endParaRPr lang="zh-CN" altLang="en-US"/>
           </a:p>
@@ -1126,7 +1126,7 @@
           <a:p>
             <a:fld id="{E396512D-F96B-4538-B91A-F7EB57A489A0}" type="datetimeFigureOut">
               <a:rPr lang="zh-CN" altLang="en-US" smtClean="0"/>
-              <a:t>2019/5/21</a:t>
+              <a:t>2020/3/26</a:t>
             </a:fld>
             <a:endParaRPr lang="zh-CN" altLang="en-US"/>
           </a:p>
@@ -1399,7 +1399,7 @@
           <a:p>
             <a:fld id="{E396512D-F96B-4538-B91A-F7EB57A489A0}" type="datetimeFigureOut">
               <a:rPr lang="zh-CN" altLang="en-US" smtClean="0"/>
-              <a:t>2019/5/21</a:t>
+              <a:t>2020/3/26</a:t>
             </a:fld>
             <a:endParaRPr lang="zh-CN" altLang="en-US"/>
           </a:p>
@@ -1740,7 +1740,7 @@
           <a:p>
             <a:fld id="{E396512D-F96B-4538-B91A-F7EB57A489A0}" type="datetimeFigureOut">
               <a:rPr lang="zh-CN" altLang="en-US" smtClean="0"/>
-              <a:t>2019/5/21</a:t>
+              <a:t>2020/3/26</a:t>
             </a:fld>
             <a:endParaRPr lang="zh-CN" altLang="en-US"/>
           </a:p>
@@ -2363,7 +2363,7 @@
           <a:p>
             <a:fld id="{E396512D-F96B-4538-B91A-F7EB57A489A0}" type="datetimeFigureOut">
               <a:rPr lang="zh-CN" altLang="en-US" smtClean="0"/>
-              <a:t>2019/5/21</a:t>
+              <a:t>2020/3/26</a:t>
             </a:fld>
             <a:endParaRPr lang="zh-CN" altLang="en-US"/>
           </a:p>
@@ -3223,7 +3223,7 @@
           <a:p>
             <a:fld id="{E396512D-F96B-4538-B91A-F7EB57A489A0}" type="datetimeFigureOut">
               <a:rPr lang="zh-CN" altLang="en-US" smtClean="0"/>
-              <a:t>2019/5/21</a:t>
+              <a:t>2020/3/26</a:t>
             </a:fld>
             <a:endParaRPr lang="zh-CN" altLang="en-US"/>
           </a:p>
@@ -3393,7 +3393,7 @@
           <a:p>
             <a:fld id="{E396512D-F96B-4538-B91A-F7EB57A489A0}" type="datetimeFigureOut">
               <a:rPr lang="zh-CN" altLang="en-US" smtClean="0"/>
-              <a:t>2019/5/21</a:t>
+              <a:t>2020/3/26</a:t>
             </a:fld>
             <a:endParaRPr lang="zh-CN" altLang="en-US"/>
           </a:p>
@@ -3573,7 +3573,7 @@
           <a:p>
             <a:fld id="{E396512D-F96B-4538-B91A-F7EB57A489A0}" type="datetimeFigureOut">
               <a:rPr lang="zh-CN" altLang="en-US" smtClean="0"/>
-              <a:t>2019/5/21</a:t>
+              <a:t>2020/3/26</a:t>
             </a:fld>
             <a:endParaRPr lang="zh-CN" altLang="en-US"/>
           </a:p>
@@ -3743,7 +3743,7 @@
           <a:p>
             <a:fld id="{E396512D-F96B-4538-B91A-F7EB57A489A0}" type="datetimeFigureOut">
               <a:rPr lang="zh-CN" altLang="en-US" smtClean="0"/>
-              <a:t>2019/5/21</a:t>
+              <a:t>2020/3/26</a:t>
             </a:fld>
             <a:endParaRPr lang="zh-CN" altLang="en-US"/>
           </a:p>
@@ -3990,7 +3990,7 @@
           <a:p>
             <a:fld id="{E396512D-F96B-4538-B91A-F7EB57A489A0}" type="datetimeFigureOut">
               <a:rPr lang="zh-CN" altLang="en-US" smtClean="0"/>
-              <a:t>2019/5/21</a:t>
+              <a:t>2020/3/26</a:t>
             </a:fld>
             <a:endParaRPr lang="zh-CN" altLang="en-US"/>
           </a:p>
@@ -4282,7 +4282,7 @@
           <a:p>
             <a:fld id="{E396512D-F96B-4538-B91A-F7EB57A489A0}" type="datetimeFigureOut">
               <a:rPr lang="zh-CN" altLang="en-US" smtClean="0"/>
-              <a:t>2019/5/21</a:t>
+              <a:t>2020/3/26</a:t>
             </a:fld>
             <a:endParaRPr lang="zh-CN" altLang="en-US"/>
           </a:p>
@@ -4726,7 +4726,7 @@
           <a:p>
             <a:fld id="{E396512D-F96B-4538-B91A-F7EB57A489A0}" type="datetimeFigureOut">
               <a:rPr lang="zh-CN" altLang="en-US" smtClean="0"/>
-              <a:t>2019/5/21</a:t>
+              <a:t>2020/3/26</a:t>
             </a:fld>
             <a:endParaRPr lang="zh-CN" altLang="en-US"/>
           </a:p>
@@ -4844,7 +4844,7 @@
           <a:p>
             <a:fld id="{E396512D-F96B-4538-B91A-F7EB57A489A0}" type="datetimeFigureOut">
               <a:rPr lang="zh-CN" altLang="en-US" smtClean="0"/>
-              <a:t>2019/5/21</a:t>
+              <a:t>2020/3/26</a:t>
             </a:fld>
             <a:endParaRPr lang="zh-CN" altLang="en-US"/>
           </a:p>
@@ -4939,7 +4939,7 @@
           <a:p>
             <a:fld id="{E396512D-F96B-4538-B91A-F7EB57A489A0}" type="datetimeFigureOut">
               <a:rPr lang="zh-CN" altLang="en-US" smtClean="0"/>
-              <a:t>2019/5/21</a:t>
+              <a:t>2020/3/26</a:t>
             </a:fld>
             <a:endParaRPr lang="zh-CN" altLang="en-US"/>
           </a:p>
@@ -5218,7 +5218,7 @@
           <a:p>
             <a:fld id="{E396512D-F96B-4538-B91A-F7EB57A489A0}" type="datetimeFigureOut">
               <a:rPr lang="zh-CN" altLang="en-US" smtClean="0"/>
-              <a:t>2019/5/21</a:t>
+              <a:t>2020/3/26</a:t>
             </a:fld>
             <a:endParaRPr lang="zh-CN" altLang="en-US"/>
           </a:p>
@@ -5493,7 +5493,7 @@
           <a:p>
             <a:fld id="{E396512D-F96B-4538-B91A-F7EB57A489A0}" type="datetimeFigureOut">
               <a:rPr lang="zh-CN" altLang="en-US" smtClean="0"/>
-              <a:t>2019/5/21</a:t>
+              <a:t>2020/3/26</a:t>
             </a:fld>
             <a:endParaRPr lang="zh-CN" altLang="en-US"/>
           </a:p>
@@ -5922,7 +5922,7 @@
           <a:p>
             <a:fld id="{E396512D-F96B-4538-B91A-F7EB57A489A0}" type="datetimeFigureOut">
               <a:rPr lang="zh-CN" altLang="en-US" smtClean="0"/>
-              <a:t>2019/5/21</a:t>
+              <a:t>2020/3/26</a:t>
             </a:fld>
             <a:endParaRPr lang="zh-CN" altLang="en-US"/>
           </a:p>
@@ -9562,7 +9562,57 @@
                 <a:latin typeface="微软雅黑" panose="020B0503020204020204" pitchFamily="34" charset="-122"/>
                 <a:ea typeface="微软雅黑" panose="020B0503020204020204" pitchFamily="34" charset="-122"/>
               </a:rPr>
-              <a:t>中可放的列比较少，会更大几率分成多个临时文件，排序性能很差。</a:t>
+              <a:t>中可</a:t>
+            </a:r>
+            <a:r>
+              <a:rPr lang="zh-CN" altLang="en-US" sz="1600" smtClean="0">
+                <a:solidFill>
+                  <a:srgbClr val="FFFF00"/>
+                </a:solidFill>
+                <a:latin typeface="微软雅黑" panose="020B0503020204020204" pitchFamily="34" charset="-122"/>
+                <a:ea typeface="微软雅黑" panose="020B0503020204020204" pitchFamily="34" charset="-122"/>
+              </a:rPr>
+              <a:t>放</a:t>
+            </a:r>
+            <a:r>
+              <a:rPr lang="zh-CN" altLang="en-US" sz="1600" smtClean="0">
+                <a:solidFill>
+                  <a:srgbClr val="FFFF00"/>
+                </a:solidFill>
+                <a:latin typeface="微软雅黑" panose="020B0503020204020204" pitchFamily="34" charset="-122"/>
+                <a:ea typeface="微软雅黑" panose="020B0503020204020204" pitchFamily="34" charset="-122"/>
+              </a:rPr>
+              <a:t>的</a:t>
+            </a:r>
+            <a:r>
+              <a:rPr lang="zh-CN" altLang="en-US" sz="1600">
+                <a:solidFill>
+                  <a:srgbClr val="FFFF00"/>
+                </a:solidFill>
+                <a:latin typeface="微软雅黑" panose="020B0503020204020204" pitchFamily="34" charset="-122"/>
+                <a:ea typeface="微软雅黑" panose="020B0503020204020204" pitchFamily="34" charset="-122"/>
+              </a:rPr>
+              <a:t>行</a:t>
+            </a:r>
+            <a:r>
+              <a:rPr lang="zh-CN" altLang="en-US" sz="1600" smtClean="0">
+                <a:solidFill>
+                  <a:srgbClr val="FFFF00"/>
+                </a:solidFill>
+                <a:latin typeface="微软雅黑" panose="020B0503020204020204" pitchFamily="34" charset="-122"/>
+                <a:ea typeface="微软雅黑" panose="020B0503020204020204" pitchFamily="34" charset="-122"/>
+              </a:rPr>
+              <a:t>比</a:t>
+            </a:r>
+            <a:r>
+              <a:rPr lang="zh-CN" altLang="en-US" sz="1600" dirty="0" smtClean="0">
+                <a:solidFill>
+                  <a:srgbClr val="FFFF00"/>
+                </a:solidFill>
+                <a:latin typeface="微软雅黑" panose="020B0503020204020204" pitchFamily="34" charset="-122"/>
+                <a:ea typeface="微软雅黑" panose="020B0503020204020204" pitchFamily="34" charset="-122"/>
+              </a:rPr>
+              <a:t>较少，会更大几率分成多个临时文件，排序性能很差。</a:t>
             </a:r>
             <a:endParaRPr lang="en-US" altLang="zh-CN" sz="1600" dirty="0">
               <a:solidFill>
@@ -13125,7 +13175,17 @@
                 <a:latin typeface="微软雅黑" panose="020B0503020204020204" pitchFamily="34" charset="-122"/>
                 <a:ea typeface="微软雅黑" panose="020B0503020204020204" pitchFamily="34" charset="-122"/>
               </a:rPr>
-              <a:t>排序，无需回表取数据</a:t>
+              <a:t>排序，无需回表取数据，</a:t>
+            </a:r>
+            <a:r>
+              <a:rPr lang="en-US" altLang="zh-CN" sz="1400" dirty="0" err="1" smtClean="0">
+                <a:solidFill>
+                  <a:srgbClr val="FFFF00"/>
+                </a:solidFill>
+                <a:latin typeface="微软雅黑" panose="020B0503020204020204" pitchFamily="34" charset="-122"/>
+                <a:ea typeface="微软雅黑" panose="020B0503020204020204" pitchFamily="34" charset="-122"/>
+              </a:rPr>
+              <a:t>InnoDB</a:t>
             </a:r>
             <a:r>
               <a:rPr lang="zh-CN" altLang="en-US" sz="1400" dirty="0" smtClean="0">
@@ -13135,37 +13195,7 @@
                 <a:latin typeface="微软雅黑" panose="020B0503020204020204" pitchFamily="34" charset="-122"/>
                 <a:ea typeface="微软雅黑" panose="020B0503020204020204" pitchFamily="34" charset="-122"/>
               </a:rPr>
-              <a:t>，</a:t>
-            </a:r>
-            <a:r>
-              <a:rPr lang="en-US" altLang="zh-CN" sz="1400" dirty="0" err="1" smtClean="0">
-                <a:solidFill>
-                  <a:srgbClr val="FFFF00"/>
-                </a:solidFill>
-                <a:latin typeface="微软雅黑" panose="020B0503020204020204" pitchFamily="34" charset="-122"/>
-                <a:ea typeface="微软雅黑" panose="020B0503020204020204" pitchFamily="34" charset="-122"/>
-              </a:rPr>
-              <a:t>InnoDB</a:t>
-            </a:r>
-            <a:r>
-              <a:rPr lang="zh-CN" altLang="en-US" sz="1400" dirty="0" smtClean="0">
-                <a:solidFill>
-                  <a:srgbClr val="FFFF00"/>
-                </a:solidFill>
-                <a:latin typeface="微软雅黑" panose="020B0503020204020204" pitchFamily="34" charset="-122"/>
-                <a:ea typeface="微软雅黑" panose="020B0503020204020204" pitchFamily="34" charset="-122"/>
-              </a:rPr>
-              <a:t>优先</a:t>
-            </a:r>
-            <a:r>
-              <a:rPr lang="zh-CN" altLang="en-US" sz="1400" dirty="0" smtClean="0">
-                <a:solidFill>
-                  <a:srgbClr val="FFFF00"/>
-                </a:solidFill>
-                <a:latin typeface="微软雅黑" panose="020B0503020204020204" pitchFamily="34" charset="-122"/>
-                <a:ea typeface="微软雅黑" panose="020B0503020204020204" pitchFamily="34" charset="-122"/>
-              </a:rPr>
-              <a:t>选择。</a:t>
+              <a:t>优先选择。</a:t>
             </a:r>
             <a:endParaRPr lang="en-US" altLang="zh-CN" sz="1400" dirty="0" smtClean="0">
               <a:solidFill>
